--- a/presentation/powerpoint.pptx
+++ b/presentation/powerpoint.pptx
@@ -12,8 +12,9 @@
     <p:sldId id="266" r:id="rId6"/>
     <p:sldId id="262" r:id="rId7"/>
     <p:sldId id="263" r:id="rId8"/>
-    <p:sldId id="264" r:id="rId9"/>
-    <p:sldId id="265" r:id="rId10"/>
+    <p:sldId id="267" r:id="rId9"/>
+    <p:sldId id="264" r:id="rId10"/>
+    <p:sldId id="265" r:id="rId11"/>
   </p:sldIdLst>
   <p:sldSz cx="9144000" cy="6858000" type="screen4x3"/>
   <p:notesSz cx="6858000" cy="9144000"/>
@@ -112,6 +113,11 @@
       </a:defRPr>
     </a:lvl9pPr>
   </p:defaultTextStyle>
+  <p:extLst>
+    <p:ext uri="{EFAFB233-063F-42B5-8137-9DF3F51BA10A}">
+      <p15:sldGuideLst xmlns:p15="http://schemas.microsoft.com/office/powerpoint/2012/main"/>
+    </p:ext>
+  </p:extLst>
 </p:presentation>
 </file>
 
@@ -301,7 +307,7 @@
           <a:p>
             <a:fld id="{B15561E0-D19D-41C6-964F-92871C1F6E59}" type="datetimeFigureOut">
               <a:rPr lang="en-US" smtClean="0"/>
-              <a:t>6/17/2019</a:t>
+              <a:t>6/22/2019</a:t>
             </a:fld>
             <a:endParaRPr lang="en-US"/>
           </a:p>
@@ -359,13 +365,13 @@
   <p:clrMapOvr>
     <a:masterClrMapping/>
   </p:clrMapOvr>
-  <mc:AlternateContent xmlns:mc="http://schemas.openxmlformats.org/markup-compatibility/2006">
-    <mc:Choice xmlns:p14="http://schemas.microsoft.com/office/powerpoint/2010/main" Requires="p14">
+  <mc:AlternateContent xmlns:mc="http://schemas.openxmlformats.org/markup-compatibility/2006" xmlns:p14="http://schemas.microsoft.com/office/powerpoint/2010/main">
+    <mc:Choice Requires="p14">
       <p:transition spd="slow">
         <p14:reveal/>
       </p:transition>
     </mc:Choice>
-    <mc:Fallback>
+    <mc:Fallback xmlns="">
       <p:transition spd="slow">
         <p:fade/>
       </p:transition>
@@ -588,7 +594,7 @@
           <a:p>
             <a:fld id="{B15561E0-D19D-41C6-964F-92871C1F6E59}" type="datetimeFigureOut">
               <a:rPr lang="en-US" smtClean="0"/>
-              <a:t>6/17/2019</a:t>
+              <a:t>6/22/2019</a:t>
             </a:fld>
             <a:endParaRPr lang="en-US"/>
           </a:p>
@@ -646,13 +652,13 @@
   <p:clrMapOvr>
     <a:masterClrMapping/>
   </p:clrMapOvr>
-  <mc:AlternateContent xmlns:mc="http://schemas.openxmlformats.org/markup-compatibility/2006">
-    <mc:Choice xmlns:p14="http://schemas.microsoft.com/office/powerpoint/2010/main" Requires="p14">
+  <mc:AlternateContent xmlns:mc="http://schemas.openxmlformats.org/markup-compatibility/2006" xmlns:p14="http://schemas.microsoft.com/office/powerpoint/2010/main">
+    <mc:Choice Requires="p14">
       <p:transition spd="slow">
         <p14:reveal/>
       </p:transition>
     </mc:Choice>
-    <mc:Fallback>
+    <mc:Fallback xmlns="">
       <p:transition spd="slow">
         <p:fade/>
       </p:transition>
@@ -794,7 +800,7 @@
           <a:p>
             <a:fld id="{B15561E0-D19D-41C6-964F-92871C1F6E59}" type="datetimeFigureOut">
               <a:rPr lang="en-US" smtClean="0"/>
-              <a:t>6/17/2019</a:t>
+              <a:t>6/22/2019</a:t>
             </a:fld>
             <a:endParaRPr lang="en-US"/>
           </a:p>
@@ -852,13 +858,13 @@
   <p:clrMapOvr>
     <a:masterClrMapping/>
   </p:clrMapOvr>
-  <mc:AlternateContent xmlns:mc="http://schemas.openxmlformats.org/markup-compatibility/2006">
-    <mc:Choice xmlns:p14="http://schemas.microsoft.com/office/powerpoint/2010/main" Requires="p14">
+  <mc:AlternateContent xmlns:mc="http://schemas.openxmlformats.org/markup-compatibility/2006" xmlns:p14="http://schemas.microsoft.com/office/powerpoint/2010/main">
+    <mc:Choice Requires="p14">
       <p:transition spd="slow">
         <p14:reveal/>
       </p:transition>
     </mc:Choice>
-    <mc:Fallback>
+    <mc:Fallback xmlns="">
       <p:transition spd="slow">
         <p:fade/>
       </p:transition>
@@ -1079,7 +1085,7 @@
           <a:p>
             <a:fld id="{B15561E0-D19D-41C6-964F-92871C1F6E59}" type="datetimeFigureOut">
               <a:rPr lang="en-US" smtClean="0"/>
-              <a:t>6/17/2019</a:t>
+              <a:t>6/22/2019</a:t>
             </a:fld>
             <a:endParaRPr lang="en-US"/>
           </a:p>
@@ -1231,13 +1237,13 @@
   <p:clrMapOvr>
     <a:masterClrMapping/>
   </p:clrMapOvr>
-  <mc:AlternateContent xmlns:mc="http://schemas.openxmlformats.org/markup-compatibility/2006">
-    <mc:Choice xmlns:p14="http://schemas.microsoft.com/office/powerpoint/2010/main" Requires="p14">
+  <mc:AlternateContent xmlns:mc="http://schemas.openxmlformats.org/markup-compatibility/2006" xmlns:p14="http://schemas.microsoft.com/office/powerpoint/2010/main">
+    <mc:Choice Requires="p14">
       <p:transition spd="slow">
         <p14:reveal/>
       </p:transition>
     </mc:Choice>
-    <mc:Fallback>
+    <mc:Fallback xmlns="">
       <p:transition spd="slow">
         <p:fade/>
       </p:transition>
@@ -1432,7 +1438,7 @@
           <a:p>
             <a:fld id="{B15561E0-D19D-41C6-964F-92871C1F6E59}" type="datetimeFigureOut">
               <a:rPr lang="en-US" smtClean="0"/>
-              <a:t>6/17/2019</a:t>
+              <a:t>6/22/2019</a:t>
             </a:fld>
             <a:endParaRPr lang="en-US"/>
           </a:p>
@@ -1490,13 +1496,13 @@
   <p:clrMapOvr>
     <a:masterClrMapping/>
   </p:clrMapOvr>
-  <mc:AlternateContent xmlns:mc="http://schemas.openxmlformats.org/markup-compatibility/2006">
-    <mc:Choice xmlns:p14="http://schemas.microsoft.com/office/powerpoint/2010/main" Requires="p14">
+  <mc:AlternateContent xmlns:mc="http://schemas.openxmlformats.org/markup-compatibility/2006" xmlns:p14="http://schemas.microsoft.com/office/powerpoint/2010/main">
+    <mc:Choice Requires="p14">
       <p:transition spd="slow">
         <p14:reveal/>
       </p:transition>
     </mc:Choice>
-    <mc:Fallback>
+    <mc:Fallback xmlns="">
       <p:transition spd="slow">
         <p:fade/>
       </p:transition>
@@ -2067,7 +2073,7 @@
           <a:p>
             <a:fld id="{B15561E0-D19D-41C6-964F-92871C1F6E59}" type="datetimeFigureOut">
               <a:rPr lang="en-US" smtClean="0"/>
-              <a:t>6/17/2019</a:t>
+              <a:t>6/22/2019</a:t>
             </a:fld>
             <a:endParaRPr lang="en-US"/>
           </a:p>
@@ -2125,13 +2131,13 @@
   <p:clrMapOvr>
     <a:masterClrMapping/>
   </p:clrMapOvr>
-  <mc:AlternateContent xmlns:mc="http://schemas.openxmlformats.org/markup-compatibility/2006">
-    <mc:Choice xmlns:p14="http://schemas.microsoft.com/office/powerpoint/2010/main" Requires="p14">
+  <mc:AlternateContent xmlns:mc="http://schemas.openxmlformats.org/markup-compatibility/2006" xmlns:p14="http://schemas.microsoft.com/office/powerpoint/2010/main">
+    <mc:Choice Requires="p14">
       <p:transition spd="slow">
         <p14:reveal/>
       </p:transition>
     </mc:Choice>
-    <mc:Fallback>
+    <mc:Fallback xmlns="">
       <p:transition spd="slow">
         <p:fade/>
       </p:transition>
@@ -2939,7 +2945,7 @@
           <a:p>
             <a:fld id="{B15561E0-D19D-41C6-964F-92871C1F6E59}" type="datetimeFigureOut">
               <a:rPr lang="en-US" smtClean="0"/>
-              <a:t>6/17/2019</a:t>
+              <a:t>6/22/2019</a:t>
             </a:fld>
             <a:endParaRPr lang="en-US"/>
           </a:p>
@@ -2997,13 +3003,13 @@
   <p:clrMapOvr>
     <a:masterClrMapping/>
   </p:clrMapOvr>
-  <mc:AlternateContent xmlns:mc="http://schemas.openxmlformats.org/markup-compatibility/2006">
-    <mc:Choice xmlns:p14="http://schemas.microsoft.com/office/powerpoint/2010/main" Requires="p14">
+  <mc:AlternateContent xmlns:mc="http://schemas.openxmlformats.org/markup-compatibility/2006" xmlns:p14="http://schemas.microsoft.com/office/powerpoint/2010/main">
+    <mc:Choice Requires="p14">
       <p:transition spd="slow">
         <p14:reveal/>
       </p:transition>
     </mc:Choice>
-    <mc:Fallback>
+    <mc:Fallback xmlns="">
       <p:transition spd="slow">
         <p:fade/>
       </p:transition>
@@ -3121,7 +3127,7 @@
           <a:p>
             <a:fld id="{B15561E0-D19D-41C6-964F-92871C1F6E59}" type="datetimeFigureOut">
               <a:rPr lang="en-US" smtClean="0"/>
-              <a:t>6/17/2019</a:t>
+              <a:t>6/22/2019</a:t>
             </a:fld>
             <a:endParaRPr lang="en-US"/>
           </a:p>
@@ -3179,13 +3185,13 @@
   <p:clrMapOvr>
     <a:masterClrMapping/>
   </p:clrMapOvr>
-  <mc:AlternateContent xmlns:mc="http://schemas.openxmlformats.org/markup-compatibility/2006">
-    <mc:Choice xmlns:p14="http://schemas.microsoft.com/office/powerpoint/2010/main" Requires="p14">
+  <mc:AlternateContent xmlns:mc="http://schemas.openxmlformats.org/markup-compatibility/2006" xmlns:p14="http://schemas.microsoft.com/office/powerpoint/2010/main">
+    <mc:Choice Requires="p14">
       <p:transition spd="slow">
         <p14:reveal/>
       </p:transition>
     </mc:Choice>
-    <mc:Fallback>
+    <mc:Fallback xmlns="">
       <p:transition spd="slow">
         <p:fade/>
       </p:transition>
@@ -3313,7 +3319,7 @@
           <a:p>
             <a:fld id="{B15561E0-D19D-41C6-964F-92871C1F6E59}" type="datetimeFigureOut">
               <a:rPr lang="en-US" smtClean="0"/>
-              <a:t>6/17/2019</a:t>
+              <a:t>6/22/2019</a:t>
             </a:fld>
             <a:endParaRPr lang="en-US"/>
           </a:p>
@@ -3371,13 +3377,13 @@
   <p:clrMapOvr>
     <a:masterClrMapping/>
   </p:clrMapOvr>
-  <mc:AlternateContent xmlns:mc="http://schemas.openxmlformats.org/markup-compatibility/2006">
-    <mc:Choice xmlns:p14="http://schemas.microsoft.com/office/powerpoint/2010/main" Requires="p14">
+  <mc:AlternateContent xmlns:mc="http://schemas.openxmlformats.org/markup-compatibility/2006" xmlns:p14="http://schemas.microsoft.com/office/powerpoint/2010/main">
+    <mc:Choice Requires="p14">
       <p:transition spd="slow">
         <p14:reveal/>
       </p:transition>
     </mc:Choice>
-    <mc:Fallback>
+    <mc:Fallback xmlns="">
       <p:transition spd="slow">
         <p:fade/>
       </p:transition>
@@ -3495,7 +3501,7 @@
           <a:p>
             <a:fld id="{B15561E0-D19D-41C6-964F-92871C1F6E59}" type="datetimeFigureOut">
               <a:rPr lang="en-US" smtClean="0"/>
-              <a:t>6/17/2019</a:t>
+              <a:t>6/22/2019</a:t>
             </a:fld>
             <a:endParaRPr lang="en-US"/>
           </a:p>
@@ -3553,13 +3559,13 @@
   <p:clrMapOvr>
     <a:masterClrMapping/>
   </p:clrMapOvr>
-  <mc:AlternateContent xmlns:mc="http://schemas.openxmlformats.org/markup-compatibility/2006">
-    <mc:Choice xmlns:p14="http://schemas.microsoft.com/office/powerpoint/2010/main" Requires="p14">
+  <mc:AlternateContent xmlns:mc="http://schemas.openxmlformats.org/markup-compatibility/2006" xmlns:p14="http://schemas.microsoft.com/office/powerpoint/2010/main">
+    <mc:Choice Requires="p14">
       <p:transition spd="slow">
         <p14:reveal/>
       </p:transition>
     </mc:Choice>
-    <mc:Fallback>
+    <mc:Fallback xmlns="">
       <p:transition spd="slow">
         <p:fade/>
       </p:transition>
@@ -3754,7 +3760,7 @@
           <a:p>
             <a:fld id="{B15561E0-D19D-41C6-964F-92871C1F6E59}" type="datetimeFigureOut">
               <a:rPr lang="en-US" smtClean="0"/>
-              <a:t>6/17/2019</a:t>
+              <a:t>6/22/2019</a:t>
             </a:fld>
             <a:endParaRPr lang="en-US"/>
           </a:p>
@@ -3812,13 +3818,13 @@
   <p:clrMapOvr>
     <a:masterClrMapping/>
   </p:clrMapOvr>
-  <mc:AlternateContent xmlns:mc="http://schemas.openxmlformats.org/markup-compatibility/2006">
-    <mc:Choice xmlns:p14="http://schemas.microsoft.com/office/powerpoint/2010/main" Requires="p14">
+  <mc:AlternateContent xmlns:mc="http://schemas.openxmlformats.org/markup-compatibility/2006" xmlns:p14="http://schemas.microsoft.com/office/powerpoint/2010/main">
+    <mc:Choice Requires="p14">
       <p:transition spd="slow">
         <p14:reveal/>
       </p:transition>
     </mc:Choice>
-    <mc:Fallback>
+    <mc:Fallback xmlns="">
       <p:transition spd="slow">
         <p:fade/>
       </p:transition>
@@ -4058,7 +4064,7 @@
           <a:p>
             <a:fld id="{B15561E0-D19D-41C6-964F-92871C1F6E59}" type="datetimeFigureOut">
               <a:rPr lang="en-US" smtClean="0"/>
-              <a:t>6/17/2019</a:t>
+              <a:t>6/22/2019</a:t>
             </a:fld>
             <a:endParaRPr lang="en-US"/>
           </a:p>
@@ -4116,13 +4122,13 @@
   <p:clrMapOvr>
     <a:masterClrMapping/>
   </p:clrMapOvr>
-  <mc:AlternateContent xmlns:mc="http://schemas.openxmlformats.org/markup-compatibility/2006">
-    <mc:Choice xmlns:p14="http://schemas.microsoft.com/office/powerpoint/2010/main" Requires="p14">
+  <mc:AlternateContent xmlns:mc="http://schemas.openxmlformats.org/markup-compatibility/2006" xmlns:p14="http://schemas.microsoft.com/office/powerpoint/2010/main">
+    <mc:Choice Requires="p14">
       <p:transition spd="slow">
         <p14:reveal/>
       </p:transition>
     </mc:Choice>
-    <mc:Fallback>
+    <mc:Fallback xmlns="">
       <p:transition spd="slow">
         <p:fade/>
       </p:transition>
@@ -4514,7 +4520,7 @@
           <a:p>
             <a:fld id="{B15561E0-D19D-41C6-964F-92871C1F6E59}" type="datetimeFigureOut">
               <a:rPr lang="en-US" smtClean="0"/>
-              <a:t>6/17/2019</a:t>
+              <a:t>6/22/2019</a:t>
             </a:fld>
             <a:endParaRPr lang="en-US"/>
           </a:p>
@@ -4572,13 +4578,13 @@
   <p:clrMapOvr>
     <a:masterClrMapping/>
   </p:clrMapOvr>
-  <mc:AlternateContent xmlns:mc="http://schemas.openxmlformats.org/markup-compatibility/2006">
-    <mc:Choice xmlns:p14="http://schemas.microsoft.com/office/powerpoint/2010/main" Requires="p14">
+  <mc:AlternateContent xmlns:mc="http://schemas.openxmlformats.org/markup-compatibility/2006" xmlns:p14="http://schemas.microsoft.com/office/powerpoint/2010/main">
+    <mc:Choice Requires="p14">
       <p:transition spd="slow">
         <p14:reveal/>
       </p:transition>
     </mc:Choice>
-    <mc:Fallback>
+    <mc:Fallback xmlns="">
       <p:transition spd="slow">
         <p:fade/>
       </p:transition>
@@ -4644,7 +4650,7 @@
           <a:p>
             <a:fld id="{B15561E0-D19D-41C6-964F-92871C1F6E59}" type="datetimeFigureOut">
               <a:rPr lang="en-US" smtClean="0"/>
-              <a:t>6/17/2019</a:t>
+              <a:t>6/22/2019</a:t>
             </a:fld>
             <a:endParaRPr lang="en-US"/>
           </a:p>
@@ -4702,13 +4708,13 @@
   <p:clrMapOvr>
     <a:masterClrMapping/>
   </p:clrMapOvr>
-  <mc:AlternateContent xmlns:mc="http://schemas.openxmlformats.org/markup-compatibility/2006">
-    <mc:Choice xmlns:p14="http://schemas.microsoft.com/office/powerpoint/2010/main" Requires="p14">
+  <mc:AlternateContent xmlns:mc="http://schemas.openxmlformats.org/markup-compatibility/2006" xmlns:p14="http://schemas.microsoft.com/office/powerpoint/2010/main">
+    <mc:Choice Requires="p14">
       <p:transition spd="slow">
         <p14:reveal/>
       </p:transition>
     </mc:Choice>
-    <mc:Fallback>
+    <mc:Fallback xmlns="">
       <p:transition spd="slow">
         <p:fade/>
       </p:transition>
@@ -4751,7 +4757,7 @@
           <a:p>
             <a:fld id="{B15561E0-D19D-41C6-964F-92871C1F6E59}" type="datetimeFigureOut">
               <a:rPr lang="en-US" smtClean="0"/>
-              <a:t>6/17/2019</a:t>
+              <a:t>6/22/2019</a:t>
             </a:fld>
             <a:endParaRPr lang="en-US"/>
           </a:p>
@@ -4809,13 +4815,13 @@
   <p:clrMapOvr>
     <a:masterClrMapping/>
   </p:clrMapOvr>
-  <mc:AlternateContent xmlns:mc="http://schemas.openxmlformats.org/markup-compatibility/2006">
-    <mc:Choice xmlns:p14="http://schemas.microsoft.com/office/powerpoint/2010/main" Requires="p14">
+  <mc:AlternateContent xmlns:mc="http://schemas.openxmlformats.org/markup-compatibility/2006" xmlns:p14="http://schemas.microsoft.com/office/powerpoint/2010/main">
+    <mc:Choice Requires="p14">
       <p:transition spd="slow">
         <p14:reveal/>
       </p:transition>
     </mc:Choice>
-    <mc:Fallback>
+    <mc:Fallback xmlns="">
       <p:transition spd="slow">
         <p:fade/>
       </p:transition>
@@ -5042,7 +5048,7 @@
           <a:p>
             <a:fld id="{B15561E0-D19D-41C6-964F-92871C1F6E59}" type="datetimeFigureOut">
               <a:rPr lang="en-US" smtClean="0"/>
-              <a:t>6/17/2019</a:t>
+              <a:t>6/22/2019</a:t>
             </a:fld>
             <a:endParaRPr lang="en-US"/>
           </a:p>
@@ -5100,13 +5106,13 @@
   <p:clrMapOvr>
     <a:masterClrMapping/>
   </p:clrMapOvr>
-  <mc:AlternateContent xmlns:mc="http://schemas.openxmlformats.org/markup-compatibility/2006">
-    <mc:Choice xmlns:p14="http://schemas.microsoft.com/office/powerpoint/2010/main" Requires="p14">
+  <mc:AlternateContent xmlns:mc="http://schemas.openxmlformats.org/markup-compatibility/2006" xmlns:p14="http://schemas.microsoft.com/office/powerpoint/2010/main">
+    <mc:Choice Requires="p14">
       <p:transition spd="slow">
         <p14:reveal/>
       </p:transition>
     </mc:Choice>
-    <mc:Fallback>
+    <mc:Fallback xmlns="">
       <p:transition spd="slow">
         <p:fade/>
       </p:transition>
@@ -5329,7 +5335,7 @@
           <a:p>
             <a:fld id="{B15561E0-D19D-41C6-964F-92871C1F6E59}" type="datetimeFigureOut">
               <a:rPr lang="en-US" smtClean="0"/>
-              <a:t>6/17/2019</a:t>
+              <a:t>6/22/2019</a:t>
             </a:fld>
             <a:endParaRPr lang="en-US"/>
           </a:p>
@@ -5387,13 +5393,13 @@
   <p:clrMapOvr>
     <a:masterClrMapping/>
   </p:clrMapOvr>
-  <mc:AlternateContent xmlns:mc="http://schemas.openxmlformats.org/markup-compatibility/2006">
-    <mc:Choice xmlns:p14="http://schemas.microsoft.com/office/powerpoint/2010/main" Requires="p14">
+  <mc:AlternateContent xmlns:mc="http://schemas.openxmlformats.org/markup-compatibility/2006" xmlns:p14="http://schemas.microsoft.com/office/powerpoint/2010/main">
+    <mc:Choice Requires="p14">
       <p:transition spd="slow">
         <p14:reveal/>
       </p:transition>
     </mc:Choice>
-    <mc:Fallback>
+    <mc:Fallback xmlns="">
       <p:transition spd="slow">
         <p:fade/>
       </p:transition>
@@ -5906,7 +5912,7 @@
           <a:p>
             <a:fld id="{B15561E0-D19D-41C6-964F-92871C1F6E59}" type="datetimeFigureOut">
               <a:rPr lang="en-US" smtClean="0"/>
-              <a:t>6/17/2019</a:t>
+              <a:t>6/22/2019</a:t>
             </a:fld>
             <a:endParaRPr lang="en-US"/>
           </a:p>
@@ -6018,13 +6024,13 @@
     <p:sldLayoutId id="2147483694" r:id="rId16"/>
     <p:sldLayoutId id="2147483695" r:id="rId17"/>
   </p:sldLayoutIdLst>
-  <mc:AlternateContent xmlns:mc="http://schemas.openxmlformats.org/markup-compatibility/2006">
-    <mc:Choice xmlns:p14="http://schemas.microsoft.com/office/powerpoint/2010/main" Requires="p14">
+  <mc:AlternateContent xmlns:mc="http://schemas.openxmlformats.org/markup-compatibility/2006" xmlns:p14="http://schemas.microsoft.com/office/powerpoint/2010/main">
+    <mc:Choice Requires="p14">
       <p:transition spd="slow">
         <p14:reveal/>
       </p:transition>
     </mc:Choice>
-    <mc:Fallback>
+    <mc:Fallback xmlns="">
       <p:transition spd="slow">
         <p:fade/>
       </p:transition>
@@ -6557,13 +6563,125 @@
   <p:clrMapOvr>
     <a:overrideClrMapping bg1="lt1" tx1="dk1" bg2="lt2" tx2="dk2" accent1="accent1" accent2="accent2" accent3="accent3" accent4="accent4" accent5="accent5" accent6="accent6" hlink="hlink" folHlink="folHlink"/>
   </p:clrMapOvr>
-  <mc:AlternateContent xmlns:mc="http://schemas.openxmlformats.org/markup-compatibility/2006">
-    <mc:Choice xmlns:p14="http://schemas.microsoft.com/office/powerpoint/2010/main" Requires="p14">
+  <mc:AlternateContent xmlns:mc="http://schemas.openxmlformats.org/markup-compatibility/2006" xmlns:p14="http://schemas.microsoft.com/office/powerpoint/2010/main">
+    <mc:Choice Requires="p14">
       <p:transition spd="slow">
         <p14:reveal/>
       </p:transition>
     </mc:Choice>
-    <mc:Fallback>
+    <mc:Fallback xmlns="">
+      <p:transition spd="slow">
+        <p:fade/>
+      </p:transition>
+    </mc:Fallback>
+  </mc:AlternateContent>
+</p:sld>
+</file>
+
+<file path=ppt/slides/slide10.xml><?xml version="1.0" encoding="utf-8"?>
+<p:sld xmlns:a="http://schemas.openxmlformats.org/drawingml/2006/main" xmlns:r="http://schemas.openxmlformats.org/officeDocument/2006/relationships" xmlns:p="http://schemas.openxmlformats.org/presentationml/2006/main" showMasterSp="0">
+  <p:cSld>
+    <p:spTree>
+      <p:nvGrpSpPr>
+        <p:cNvPr id="1" name=""/>
+        <p:cNvGrpSpPr/>
+        <p:nvPr/>
+      </p:nvGrpSpPr>
+      <p:grpSpPr>
+        <a:xfrm>
+          <a:off x="0" y="0"/>
+          <a:ext cx="0" cy="0"/>
+          <a:chOff x="0" y="0"/>
+          <a:chExt cx="0" cy="0"/>
+        </a:xfrm>
+      </p:grpSpPr>
+      <p:sp>
+        <p:nvSpPr>
+          <p:cNvPr id="2" name="Title 1">
+            <a:extLst>
+              <a:ext uri="{FF2B5EF4-FFF2-40B4-BE49-F238E27FC236}">
+                <a16:creationId xmlns:a16="http://schemas.microsoft.com/office/drawing/2014/main" id="{4DA1DFFF-8261-483C-BADF-759F3F223D20}"/>
+              </a:ext>
+            </a:extLst>
+          </p:cNvPr>
+          <p:cNvSpPr>
+            <a:spLocks noGrp="1"/>
+          </p:cNvSpPr>
+          <p:nvPr>
+            <p:ph type="title"/>
+          </p:nvPr>
+        </p:nvSpPr>
+        <p:spPr>
+          <a:xfrm>
+            <a:off x="1257300" y="251460"/>
+            <a:ext cx="6431280" cy="914400"/>
+          </a:xfrm>
+        </p:spPr>
+        <p:txBody>
+          <a:bodyPr/>
+          <a:lstStyle/>
+          <a:p>
+            <a:pPr algn="ctr"/>
+            <a:r>
+              <a:rPr lang="en-US" dirty="0"/>
+              <a:t>Entropy LDA</a:t>
+            </a:r>
+          </a:p>
+        </p:txBody>
+      </p:sp>
+      <p:pic>
+        <p:nvPicPr>
+          <p:cNvPr id="3" name="Graphic 2">
+            <a:extLst>
+              <a:ext uri="{FF2B5EF4-FFF2-40B4-BE49-F238E27FC236}">
+                <a16:creationId xmlns:a16="http://schemas.microsoft.com/office/drawing/2014/main" id="{748BA9EA-B10F-4F5F-BB40-0AF4E72D2F93}"/>
+              </a:ext>
+            </a:extLst>
+          </p:cNvPr>
+          <p:cNvPicPr>
+            <a:picLocks noChangeAspect="1"/>
+          </p:cNvPicPr>
+          <p:nvPr/>
+        </p:nvPicPr>
+        <p:blipFill>
+          <a:blip r:embed="rId2">
+            <a:extLst>
+              <a:ext uri="{96DAC541-7B7A-43D3-8B79-37D633B846F1}">
+                <asvg:svgBlip xmlns:asvg="http://schemas.microsoft.com/office/drawing/2016/SVG/main" r:embed="rId3"/>
+              </a:ext>
+            </a:extLst>
+          </a:blip>
+          <a:stretch>
+            <a:fillRect/>
+          </a:stretch>
+        </p:blipFill>
+        <p:spPr>
+          <a:xfrm>
+            <a:off x="1043940" y="1135379"/>
+            <a:ext cx="6957060" cy="5411047"/>
+          </a:xfrm>
+          <a:prstGeom prst="rect">
+            <a:avLst/>
+          </a:prstGeom>
+        </p:spPr>
+      </p:pic>
+    </p:spTree>
+    <p:extLst>
+      <p:ext uri="{BB962C8B-B14F-4D97-AF65-F5344CB8AC3E}">
+        <p14:creationId xmlns:p14="http://schemas.microsoft.com/office/powerpoint/2010/main" val="252699869"/>
+      </p:ext>
+    </p:extLst>
+  </p:cSld>
+  <p:clrMapOvr>
+    <a:overrideClrMapping bg1="lt1" tx1="dk1" bg2="lt2" tx2="dk2" accent1="accent1" accent2="accent2" accent3="accent3" accent4="accent4" accent5="accent5" accent6="accent6" hlink="hlink" folHlink="folHlink"/>
+  </p:clrMapOvr>
+  <mc:AlternateContent xmlns:mc="http://schemas.openxmlformats.org/markup-compatibility/2006" xmlns:p14="http://schemas.microsoft.com/office/powerpoint/2010/main">
+    <mc:Choice Requires="p14">
+      <p:transition spd="slow">
+        <p14:reveal/>
+      </p:transition>
+    </mc:Choice>
+    <mc:Fallback xmlns="">
       <p:transition spd="slow">
         <p:fade/>
       </p:transition>
@@ -6703,13 +6821,13 @@
   <p:clrMapOvr>
     <a:overrideClrMapping bg1="lt1" tx1="dk1" bg2="lt2" tx2="dk2" accent1="accent1" accent2="accent2" accent3="accent3" accent4="accent4" accent5="accent5" accent6="accent6" hlink="hlink" folHlink="folHlink"/>
   </p:clrMapOvr>
-  <mc:AlternateContent xmlns:mc="http://schemas.openxmlformats.org/markup-compatibility/2006">
-    <mc:Choice xmlns:p14="http://schemas.microsoft.com/office/powerpoint/2010/main" Requires="p14">
+  <mc:AlternateContent xmlns:mc="http://schemas.openxmlformats.org/markup-compatibility/2006" xmlns:p14="http://schemas.microsoft.com/office/powerpoint/2010/main">
+    <mc:Choice Requires="p14">
       <p:transition spd="slow">
         <p14:reveal/>
       </p:transition>
     </mc:Choice>
-    <mc:Fallback>
+    <mc:Fallback xmlns="">
       <p:transition spd="slow">
         <p:fade/>
       </p:transition>
@@ -6912,13 +7030,13 @@
   <p:clrMapOvr>
     <a:overrideClrMapping bg1="lt1" tx1="dk1" bg2="lt2" tx2="dk2" accent1="accent1" accent2="accent2" accent3="accent3" accent4="accent4" accent5="accent5" accent6="accent6" hlink="hlink" folHlink="folHlink"/>
   </p:clrMapOvr>
-  <mc:AlternateContent xmlns:mc="http://schemas.openxmlformats.org/markup-compatibility/2006">
-    <mc:Choice xmlns:p14="http://schemas.microsoft.com/office/powerpoint/2010/main" Requires="p14">
+  <mc:AlternateContent xmlns:mc="http://schemas.openxmlformats.org/markup-compatibility/2006" xmlns:p14="http://schemas.microsoft.com/office/powerpoint/2010/main">
+    <mc:Choice Requires="p14">
       <p:transition spd="slow">
         <p14:reveal/>
       </p:transition>
     </mc:Choice>
-    <mc:Fallback>
+    <mc:Fallback xmlns="">
       <p:transition spd="slow">
         <p:fade/>
       </p:transition>
@@ -7023,13 +7141,13 @@
   <p:clrMapOvr>
     <a:overrideClrMapping bg1="lt1" tx1="dk1" bg2="lt2" tx2="dk2" accent1="accent1" accent2="accent2" accent3="accent3" accent4="accent4" accent5="accent5" accent6="accent6" hlink="hlink" folHlink="folHlink"/>
   </p:clrMapOvr>
-  <mc:AlternateContent xmlns:mc="http://schemas.openxmlformats.org/markup-compatibility/2006">
-    <mc:Choice xmlns:p14="http://schemas.microsoft.com/office/powerpoint/2010/main" Requires="p14">
+  <mc:AlternateContent xmlns:mc="http://schemas.openxmlformats.org/markup-compatibility/2006" xmlns:p14="http://schemas.microsoft.com/office/powerpoint/2010/main">
+    <mc:Choice Requires="p14">
       <p:transition spd="slow">
         <p14:reveal/>
       </p:transition>
     </mc:Choice>
-    <mc:Fallback>
+    <mc:Fallback xmlns="">
       <p:transition spd="slow">
         <p:fade/>
       </p:transition>
@@ -7088,8 +7206,8 @@
           </a:p>
         </p:txBody>
       </p:sp>
-      <mc:AlternateContent xmlns:mc="http://schemas.openxmlformats.org/markup-compatibility/2006">
-        <mc:Choice xmlns:a14="http://schemas.microsoft.com/office/drawing/2010/main" Requires="a14">
+      <mc:AlternateContent xmlns:mc="http://schemas.openxmlformats.org/markup-compatibility/2006" xmlns:a14="http://schemas.microsoft.com/office/drawing/2010/main">
+        <mc:Choice Requires="a14">
           <p:sp>
             <p:nvSpPr>
               <p:cNvPr id="3" name="TextBox 2">
@@ -7346,7 +7464,7 @@
                         <m:sSup>
                           <m:sSupPr>
                             <m:ctrlPr>
-                              <a:rPr lang="en-US" b="0" i="0" smtClean="0">
+                              <a:rPr lang="en-US" b="0" i="1" smtClean="0">
                                 <a:latin typeface="Cambria Math" panose="02040503050406030204" pitchFamily="18" charset="0"/>
                               </a:rPr>
                             </m:ctrlPr>
@@ -7421,7 +7539,7 @@
                         <m:sSup>
                           <m:sSupPr>
                             <m:ctrlPr>
-                              <a:rPr lang="el-GR" b="0" i="0" smtClean="0">
+                              <a:rPr lang="el-GR" b="0" i="1" smtClean="0">
                                 <a:latin typeface="Cambria Math" panose="02040503050406030204" pitchFamily="18" charset="0"/>
                               </a:rPr>
                             </m:ctrlPr>
@@ -8372,7 +8490,7 @@
             </p:txBody>
           </p:sp>
         </mc:Choice>
-        <mc:Fallback>
+        <mc:Fallback xmlns="">
           <p:sp>
             <p:nvSpPr>
               <p:cNvPr id="3" name="TextBox 2">
@@ -8427,13 +8545,13 @@
   <p:clrMapOvr>
     <a:overrideClrMapping bg1="lt1" tx1="dk1" bg2="lt2" tx2="dk2" accent1="accent1" accent2="accent2" accent3="accent3" accent4="accent4" accent5="accent5" accent6="accent6" hlink="hlink" folHlink="folHlink"/>
   </p:clrMapOvr>
-  <mc:AlternateContent xmlns:mc="http://schemas.openxmlformats.org/markup-compatibility/2006">
-    <mc:Choice xmlns:p14="http://schemas.microsoft.com/office/powerpoint/2010/main" Requires="p14">
+  <mc:AlternateContent xmlns:mc="http://schemas.openxmlformats.org/markup-compatibility/2006" xmlns:p14="http://schemas.microsoft.com/office/powerpoint/2010/main">
+    <mc:Choice Requires="p14">
       <p:transition spd="slow">
         <p14:reveal/>
       </p:transition>
     </mc:Choice>
-    <mc:Fallback>
+    <mc:Fallback xmlns="">
       <p:transition spd="slow">
         <p:fade/>
       </p:transition>
@@ -8538,13 +8656,13 @@
   <p:clrMapOvr>
     <a:overrideClrMapping bg1="lt1" tx1="dk1" bg2="lt2" tx2="dk2" accent1="accent1" accent2="accent2" accent3="accent3" accent4="accent4" accent5="accent5" accent6="accent6" hlink="hlink" folHlink="folHlink"/>
   </p:clrMapOvr>
-  <mc:AlternateContent xmlns:mc="http://schemas.openxmlformats.org/markup-compatibility/2006">
-    <mc:Choice xmlns:p14="http://schemas.microsoft.com/office/powerpoint/2010/main" Requires="p14">
+  <mc:AlternateContent xmlns:mc="http://schemas.openxmlformats.org/markup-compatibility/2006" xmlns:p14="http://schemas.microsoft.com/office/powerpoint/2010/main">
+    <mc:Choice Requires="p14">
       <p:transition spd="slow">
         <p14:reveal/>
       </p:transition>
     </mc:Choice>
-    <mc:Fallback>
+    <mc:Fallback xmlns="">
       <p:transition spd="slow">
         <p:fade/>
       </p:transition>
@@ -8649,13 +8767,13 @@
   <p:clrMapOvr>
     <a:overrideClrMapping bg1="lt1" tx1="dk1" bg2="lt2" tx2="dk2" accent1="accent1" accent2="accent2" accent3="accent3" accent4="accent4" accent5="accent5" accent6="accent6" hlink="hlink" folHlink="folHlink"/>
   </p:clrMapOvr>
-  <mc:AlternateContent xmlns:mc="http://schemas.openxmlformats.org/markup-compatibility/2006">
-    <mc:Choice xmlns:p14="http://schemas.microsoft.com/office/powerpoint/2010/main" Requires="p14">
+  <mc:AlternateContent xmlns:mc="http://schemas.openxmlformats.org/markup-compatibility/2006" xmlns:p14="http://schemas.microsoft.com/office/powerpoint/2010/main">
+    <mc:Choice Requires="p14">
       <p:transition spd="slow">
         <p14:reveal/>
       </p:transition>
     </mc:Choice>
-    <mc:Fallback>
+    <mc:Fallback xmlns="">
       <p:transition spd="slow">
         <p:fade/>
       </p:transition>
@@ -8665,6 +8783,130 @@
 </file>
 
 <file path=ppt/slides/slide8.xml><?xml version="1.0" encoding="utf-8"?>
+<p:sld xmlns:a="http://schemas.openxmlformats.org/drawingml/2006/main" xmlns:r="http://schemas.openxmlformats.org/officeDocument/2006/relationships" xmlns:p="http://schemas.openxmlformats.org/presentationml/2006/main" showMasterSp="0">
+  <p:cSld>
+    <p:spTree>
+      <p:nvGrpSpPr>
+        <p:cNvPr id="1" name=""/>
+        <p:cNvGrpSpPr/>
+        <p:nvPr/>
+      </p:nvGrpSpPr>
+      <p:grpSpPr>
+        <a:xfrm>
+          <a:off x="0" y="0"/>
+          <a:ext cx="0" cy="0"/>
+          <a:chOff x="0" y="0"/>
+          <a:chExt cx="0" cy="0"/>
+        </a:xfrm>
+      </p:grpSpPr>
+      <p:sp>
+        <p:nvSpPr>
+          <p:cNvPr id="2" name="Title 1">
+            <a:extLst>
+              <a:ext uri="{FF2B5EF4-FFF2-40B4-BE49-F238E27FC236}">
+                <a16:creationId xmlns:a16="http://schemas.microsoft.com/office/drawing/2014/main" id="{4DA1DFFF-8261-483C-BADF-759F3F223D20}"/>
+              </a:ext>
+            </a:extLst>
+          </p:cNvPr>
+          <p:cNvSpPr>
+            <a:spLocks noGrp="1"/>
+          </p:cNvSpPr>
+          <p:nvPr>
+            <p:ph type="title"/>
+          </p:nvPr>
+        </p:nvSpPr>
+        <p:spPr>
+          <a:xfrm>
+            <a:off x="701040" y="90083"/>
+            <a:ext cx="7985760" cy="914400"/>
+          </a:xfrm>
+        </p:spPr>
+        <p:txBody>
+          <a:bodyPr/>
+          <a:lstStyle/>
+          <a:p>
+            <a:r>
+              <a:rPr lang="en-US" dirty="0"/>
+              <a:t>Most Descriptive Terms</a:t>
+            </a:r>
+            <a:r>
+              <a:rPr lang="el-GR" dirty="0"/>
+              <a:t> (</a:t>
+            </a:r>
+            <a:r>
+              <a:rPr lang="en-US" dirty="0" err="1"/>
+              <a:t>cont</a:t>
+            </a:r>
+            <a:r>
+              <a:rPr lang="el-GR" dirty="0"/>
+              <a:t>.)</a:t>
+            </a:r>
+            <a:endParaRPr lang="en-US" dirty="0"/>
+          </a:p>
+        </p:txBody>
+      </p:sp>
+      <p:pic>
+        <p:nvPicPr>
+          <p:cNvPr id="5" name="Picture 4">
+            <a:extLst>
+              <a:ext uri="{FF2B5EF4-FFF2-40B4-BE49-F238E27FC236}">
+                <a16:creationId xmlns:a16="http://schemas.microsoft.com/office/drawing/2014/main" id="{5A03EFF3-642C-43CC-890B-1059A68A55EC}"/>
+              </a:ext>
+            </a:extLst>
+          </p:cNvPr>
+          <p:cNvPicPr>
+            <a:picLocks noChangeAspect="1"/>
+          </p:cNvPicPr>
+          <p:nvPr/>
+        </p:nvPicPr>
+        <p:blipFill>
+          <a:blip r:embed="rId2">
+            <a:extLst>
+              <a:ext uri="{28A0092B-C50C-407E-A947-70E740481C1C}">
+                <a14:useLocalDpi xmlns:a14="http://schemas.microsoft.com/office/drawing/2010/main" val="0"/>
+              </a:ext>
+            </a:extLst>
+          </a:blip>
+          <a:stretch>
+            <a:fillRect/>
+          </a:stretch>
+        </p:blipFill>
+        <p:spPr>
+          <a:xfrm>
+            <a:off x="1335065" y="874733"/>
+            <a:ext cx="5704562" cy="5704562"/>
+          </a:xfrm>
+          <a:prstGeom prst="rect">
+            <a:avLst/>
+          </a:prstGeom>
+        </p:spPr>
+      </p:pic>
+    </p:spTree>
+    <p:extLst>
+      <p:ext uri="{BB962C8B-B14F-4D97-AF65-F5344CB8AC3E}">
+        <p14:creationId xmlns:p14="http://schemas.microsoft.com/office/powerpoint/2010/main" val="2006358850"/>
+      </p:ext>
+    </p:extLst>
+  </p:cSld>
+  <p:clrMapOvr>
+    <a:overrideClrMapping bg1="lt1" tx1="dk1" bg2="lt2" tx2="dk2" accent1="accent1" accent2="accent2" accent3="accent3" accent4="accent4" accent5="accent5" accent6="accent6" hlink="hlink" folHlink="folHlink"/>
+  </p:clrMapOvr>
+  <mc:AlternateContent xmlns:mc="http://schemas.openxmlformats.org/markup-compatibility/2006" xmlns:p14="http://schemas.microsoft.com/office/powerpoint/2010/main">
+    <mc:Choice Requires="p14">
+      <p:transition spd="slow">
+        <p14:reveal/>
+      </p:transition>
+    </mc:Choice>
+    <mc:Fallback xmlns="">
+      <p:transition spd="slow">
+        <p:fade/>
+      </p:transition>
+    </mc:Fallback>
+  </mc:AlternateContent>
+</p:sld>
+</file>
+
+<file path=ppt/slides/slide9.xml><?xml version="1.0" encoding="utf-8"?>
 <p:sld xmlns:a="http://schemas.openxmlformats.org/drawingml/2006/main" xmlns:r="http://schemas.openxmlformats.org/officeDocument/2006/relationships" xmlns:p="http://schemas.openxmlformats.org/presentationml/2006/main" showMasterSp="0">
   <p:cSld>
     <p:spTree>
@@ -8761,125 +9003,13 @@
   <p:clrMapOvr>
     <a:overrideClrMapping bg1="lt1" tx1="dk1" bg2="lt2" tx2="dk2" accent1="accent1" accent2="accent2" accent3="accent3" accent4="accent4" accent5="accent5" accent6="accent6" hlink="hlink" folHlink="folHlink"/>
   </p:clrMapOvr>
-  <mc:AlternateContent xmlns:mc="http://schemas.openxmlformats.org/markup-compatibility/2006">
-    <mc:Choice xmlns:p14="http://schemas.microsoft.com/office/powerpoint/2010/main" Requires="p14">
+  <mc:AlternateContent xmlns:mc="http://schemas.openxmlformats.org/markup-compatibility/2006" xmlns:p14="http://schemas.microsoft.com/office/powerpoint/2010/main">
+    <mc:Choice Requires="p14">
       <p:transition spd="slow">
         <p14:reveal/>
       </p:transition>
     </mc:Choice>
-    <mc:Fallback>
-      <p:transition spd="slow">
-        <p:fade/>
-      </p:transition>
-    </mc:Fallback>
-  </mc:AlternateContent>
-</p:sld>
-</file>
-
-<file path=ppt/slides/slide9.xml><?xml version="1.0" encoding="utf-8"?>
-<p:sld xmlns:a="http://schemas.openxmlformats.org/drawingml/2006/main" xmlns:r="http://schemas.openxmlformats.org/officeDocument/2006/relationships" xmlns:p="http://schemas.openxmlformats.org/presentationml/2006/main" showMasterSp="0">
-  <p:cSld>
-    <p:spTree>
-      <p:nvGrpSpPr>
-        <p:cNvPr id="1" name=""/>
-        <p:cNvGrpSpPr/>
-        <p:nvPr/>
-      </p:nvGrpSpPr>
-      <p:grpSpPr>
-        <a:xfrm>
-          <a:off x="0" y="0"/>
-          <a:ext cx="0" cy="0"/>
-          <a:chOff x="0" y="0"/>
-          <a:chExt cx="0" cy="0"/>
-        </a:xfrm>
-      </p:grpSpPr>
-      <p:sp>
-        <p:nvSpPr>
-          <p:cNvPr id="2" name="Title 1">
-            <a:extLst>
-              <a:ext uri="{FF2B5EF4-FFF2-40B4-BE49-F238E27FC236}">
-                <a16:creationId xmlns:a16="http://schemas.microsoft.com/office/drawing/2014/main" id="{4DA1DFFF-8261-483C-BADF-759F3F223D20}"/>
-              </a:ext>
-            </a:extLst>
-          </p:cNvPr>
-          <p:cNvSpPr>
-            <a:spLocks noGrp="1"/>
-          </p:cNvSpPr>
-          <p:nvPr>
-            <p:ph type="title"/>
-          </p:nvPr>
-        </p:nvSpPr>
-        <p:spPr>
-          <a:xfrm>
-            <a:off x="1257300" y="251460"/>
-            <a:ext cx="6431280" cy="914400"/>
-          </a:xfrm>
-        </p:spPr>
-        <p:txBody>
-          <a:bodyPr/>
-          <a:lstStyle/>
-          <a:p>
-            <a:pPr algn="ctr"/>
-            <a:r>
-              <a:rPr lang="en-US" dirty="0"/>
-              <a:t>Entropy LDA</a:t>
-            </a:r>
-          </a:p>
-        </p:txBody>
-      </p:sp>
-      <p:pic>
-        <p:nvPicPr>
-          <p:cNvPr id="3" name="Graphic 2">
-            <a:extLst>
-              <a:ext uri="{FF2B5EF4-FFF2-40B4-BE49-F238E27FC236}">
-                <a16:creationId xmlns:a16="http://schemas.microsoft.com/office/drawing/2014/main" id="{748BA9EA-B10F-4F5F-BB40-0AF4E72D2F93}"/>
-              </a:ext>
-            </a:extLst>
-          </p:cNvPr>
-          <p:cNvPicPr>
-            <a:picLocks noChangeAspect="1"/>
-          </p:cNvPicPr>
-          <p:nvPr/>
-        </p:nvPicPr>
-        <p:blipFill>
-          <a:blip r:embed="rId2">
-            <a:extLst>
-              <a:ext uri="{96DAC541-7B7A-43D3-8B79-37D633B846F1}">
-                <asvg:svgBlip xmlns:asvg="http://schemas.microsoft.com/office/drawing/2016/SVG/main" r:embed="rId3"/>
-              </a:ext>
-            </a:extLst>
-          </a:blip>
-          <a:stretch>
-            <a:fillRect/>
-          </a:stretch>
-        </p:blipFill>
-        <p:spPr>
-          <a:xfrm>
-            <a:off x="1043940" y="1135379"/>
-            <a:ext cx="6957060" cy="5411047"/>
-          </a:xfrm>
-          <a:prstGeom prst="rect">
-            <a:avLst/>
-          </a:prstGeom>
-        </p:spPr>
-      </p:pic>
-    </p:spTree>
-    <p:extLst>
-      <p:ext uri="{BB962C8B-B14F-4D97-AF65-F5344CB8AC3E}">
-        <p14:creationId xmlns:p14="http://schemas.microsoft.com/office/powerpoint/2010/main" val="252699869"/>
-      </p:ext>
-    </p:extLst>
-  </p:cSld>
-  <p:clrMapOvr>
-    <a:overrideClrMapping bg1="lt1" tx1="dk1" bg2="lt2" tx2="dk2" accent1="accent1" accent2="accent2" accent3="accent3" accent4="accent4" accent5="accent5" accent6="accent6" hlink="hlink" folHlink="folHlink"/>
-  </p:clrMapOvr>
-  <mc:AlternateContent xmlns:mc="http://schemas.openxmlformats.org/markup-compatibility/2006">
-    <mc:Choice xmlns:p14="http://schemas.microsoft.com/office/powerpoint/2010/main" Requires="p14">
-      <p:transition spd="slow">
-        <p14:reveal/>
-      </p:transition>
-    </mc:Choice>
-    <mc:Fallback>
+    <mc:Fallback xmlns="">
       <p:transition spd="slow">
         <p:fade/>
       </p:transition>

--- a/presentation/powerpoint.pptx
+++ b/presentation/powerpoint.pptx
@@ -10,9 +10,9 @@
     <p:sldId id="260" r:id="rId4"/>
     <p:sldId id="261" r:id="rId5"/>
     <p:sldId id="266" r:id="rId6"/>
-    <p:sldId id="262" r:id="rId7"/>
-    <p:sldId id="263" r:id="rId8"/>
-    <p:sldId id="267" r:id="rId9"/>
+    <p:sldId id="263" r:id="rId7"/>
+    <p:sldId id="267" r:id="rId8"/>
+    <p:sldId id="262" r:id="rId9"/>
     <p:sldId id="264" r:id="rId10"/>
     <p:sldId id="265" r:id="rId11"/>
   </p:sldIdLst>
@@ -307,7 +307,7 @@
           <a:p>
             <a:fld id="{B15561E0-D19D-41C6-964F-92871C1F6E59}" type="datetimeFigureOut">
               <a:rPr lang="en-US" smtClean="0"/>
-              <a:t>6/22/2019</a:t>
+              <a:t>6/24/2019</a:t>
             </a:fld>
             <a:endParaRPr lang="en-US"/>
           </a:p>
@@ -594,7 +594,7 @@
           <a:p>
             <a:fld id="{B15561E0-D19D-41C6-964F-92871C1F6E59}" type="datetimeFigureOut">
               <a:rPr lang="en-US" smtClean="0"/>
-              <a:t>6/22/2019</a:t>
+              <a:t>6/24/2019</a:t>
             </a:fld>
             <a:endParaRPr lang="en-US"/>
           </a:p>
@@ -800,7 +800,7 @@
           <a:p>
             <a:fld id="{B15561E0-D19D-41C6-964F-92871C1F6E59}" type="datetimeFigureOut">
               <a:rPr lang="en-US" smtClean="0"/>
-              <a:t>6/22/2019</a:t>
+              <a:t>6/24/2019</a:t>
             </a:fld>
             <a:endParaRPr lang="en-US"/>
           </a:p>
@@ -1085,7 +1085,7 @@
           <a:p>
             <a:fld id="{B15561E0-D19D-41C6-964F-92871C1F6E59}" type="datetimeFigureOut">
               <a:rPr lang="en-US" smtClean="0"/>
-              <a:t>6/22/2019</a:t>
+              <a:t>6/24/2019</a:t>
             </a:fld>
             <a:endParaRPr lang="en-US"/>
           </a:p>
@@ -1438,7 +1438,7 @@
           <a:p>
             <a:fld id="{B15561E0-D19D-41C6-964F-92871C1F6E59}" type="datetimeFigureOut">
               <a:rPr lang="en-US" smtClean="0"/>
-              <a:t>6/22/2019</a:t>
+              <a:t>6/24/2019</a:t>
             </a:fld>
             <a:endParaRPr lang="en-US"/>
           </a:p>
@@ -2073,7 +2073,7 @@
           <a:p>
             <a:fld id="{B15561E0-D19D-41C6-964F-92871C1F6E59}" type="datetimeFigureOut">
               <a:rPr lang="en-US" smtClean="0"/>
-              <a:t>6/22/2019</a:t>
+              <a:t>6/24/2019</a:t>
             </a:fld>
             <a:endParaRPr lang="en-US"/>
           </a:p>
@@ -2945,7 +2945,7 @@
           <a:p>
             <a:fld id="{B15561E0-D19D-41C6-964F-92871C1F6E59}" type="datetimeFigureOut">
               <a:rPr lang="en-US" smtClean="0"/>
-              <a:t>6/22/2019</a:t>
+              <a:t>6/24/2019</a:t>
             </a:fld>
             <a:endParaRPr lang="en-US"/>
           </a:p>
@@ -3127,7 +3127,7 @@
           <a:p>
             <a:fld id="{B15561E0-D19D-41C6-964F-92871C1F6E59}" type="datetimeFigureOut">
               <a:rPr lang="en-US" smtClean="0"/>
-              <a:t>6/22/2019</a:t>
+              <a:t>6/24/2019</a:t>
             </a:fld>
             <a:endParaRPr lang="en-US"/>
           </a:p>
@@ -3319,7 +3319,7 @@
           <a:p>
             <a:fld id="{B15561E0-D19D-41C6-964F-92871C1F6E59}" type="datetimeFigureOut">
               <a:rPr lang="en-US" smtClean="0"/>
-              <a:t>6/22/2019</a:t>
+              <a:t>6/24/2019</a:t>
             </a:fld>
             <a:endParaRPr lang="en-US"/>
           </a:p>
@@ -3501,7 +3501,7 @@
           <a:p>
             <a:fld id="{B15561E0-D19D-41C6-964F-92871C1F6E59}" type="datetimeFigureOut">
               <a:rPr lang="en-US" smtClean="0"/>
-              <a:t>6/22/2019</a:t>
+              <a:t>6/24/2019</a:t>
             </a:fld>
             <a:endParaRPr lang="en-US"/>
           </a:p>
@@ -3760,7 +3760,7 @@
           <a:p>
             <a:fld id="{B15561E0-D19D-41C6-964F-92871C1F6E59}" type="datetimeFigureOut">
               <a:rPr lang="en-US" smtClean="0"/>
-              <a:t>6/22/2019</a:t>
+              <a:t>6/24/2019</a:t>
             </a:fld>
             <a:endParaRPr lang="en-US"/>
           </a:p>
@@ -4064,7 +4064,7 @@
           <a:p>
             <a:fld id="{B15561E0-D19D-41C6-964F-92871C1F6E59}" type="datetimeFigureOut">
               <a:rPr lang="en-US" smtClean="0"/>
-              <a:t>6/22/2019</a:t>
+              <a:t>6/24/2019</a:t>
             </a:fld>
             <a:endParaRPr lang="en-US"/>
           </a:p>
@@ -4520,7 +4520,7 @@
           <a:p>
             <a:fld id="{B15561E0-D19D-41C6-964F-92871C1F6E59}" type="datetimeFigureOut">
               <a:rPr lang="en-US" smtClean="0"/>
-              <a:t>6/22/2019</a:t>
+              <a:t>6/24/2019</a:t>
             </a:fld>
             <a:endParaRPr lang="en-US"/>
           </a:p>
@@ -4650,7 +4650,7 @@
           <a:p>
             <a:fld id="{B15561E0-D19D-41C6-964F-92871C1F6E59}" type="datetimeFigureOut">
               <a:rPr lang="en-US" smtClean="0"/>
-              <a:t>6/22/2019</a:t>
+              <a:t>6/24/2019</a:t>
             </a:fld>
             <a:endParaRPr lang="en-US"/>
           </a:p>
@@ -4757,7 +4757,7 @@
           <a:p>
             <a:fld id="{B15561E0-D19D-41C6-964F-92871C1F6E59}" type="datetimeFigureOut">
               <a:rPr lang="en-US" smtClean="0"/>
-              <a:t>6/22/2019</a:t>
+              <a:t>6/24/2019</a:t>
             </a:fld>
             <a:endParaRPr lang="en-US"/>
           </a:p>
@@ -5048,7 +5048,7 @@
           <a:p>
             <a:fld id="{B15561E0-D19D-41C6-964F-92871C1F6E59}" type="datetimeFigureOut">
               <a:rPr lang="en-US" smtClean="0"/>
-              <a:t>6/22/2019</a:t>
+              <a:t>6/24/2019</a:t>
             </a:fld>
             <a:endParaRPr lang="en-US"/>
           </a:p>
@@ -5335,7 +5335,7 @@
           <a:p>
             <a:fld id="{B15561E0-D19D-41C6-964F-92871C1F6E59}" type="datetimeFigureOut">
               <a:rPr lang="en-US" smtClean="0"/>
-              <a:t>6/22/2019</a:t>
+              <a:t>6/24/2019</a:t>
             </a:fld>
             <a:endParaRPr lang="en-US"/>
           </a:p>
@@ -5912,7 +5912,7 @@
           <a:p>
             <a:fld id="{B15561E0-D19D-41C6-964F-92871C1F6E59}" type="datetimeFigureOut">
               <a:rPr lang="en-US" smtClean="0"/>
-              <a:t>6/22/2019</a:t>
+              <a:t>6/24/2019</a:t>
             </a:fld>
             <a:endParaRPr lang="en-US"/>
           </a:p>
@@ -7097,10 +7097,10 @@
       </p:sp>
       <p:pic>
         <p:nvPicPr>
-          <p:cNvPr id="18" name="Graphic 17">
+          <p:cNvPr id="3" name="Graphic 2">
             <a:extLst>
               <a:ext uri="{FF2B5EF4-FFF2-40B4-BE49-F238E27FC236}">
-                <a16:creationId xmlns:a16="http://schemas.microsoft.com/office/drawing/2014/main" id="{C075AAE0-B987-4FE7-8572-EC0B62B8ADDA}"/>
+                <a16:creationId xmlns:a16="http://schemas.microsoft.com/office/drawing/2014/main" id="{D820453E-5973-4E08-8D33-1D68C87463D0}"/>
               </a:ext>
             </a:extLst>
           </p:cNvPr>
@@ -7123,8 +7123,8 @@
         </p:blipFill>
         <p:spPr>
           <a:xfrm>
-            <a:off x="1939290" y="1755457"/>
-            <a:ext cx="4652010" cy="4312055"/>
+            <a:off x="1914252" y="1567133"/>
+            <a:ext cx="4852308" cy="4497716"/>
           </a:xfrm>
           <a:prstGeom prst="rect">
             <a:avLst/>
@@ -7206,8 +7206,8 @@
           </a:p>
         </p:txBody>
       </p:sp>
-      <mc:AlternateContent xmlns:mc="http://schemas.openxmlformats.org/markup-compatibility/2006" xmlns:a14="http://schemas.microsoft.com/office/drawing/2010/main">
-        <mc:Choice Requires="a14">
+      <mc:AlternateContent xmlns:mc="http://schemas.openxmlformats.org/markup-compatibility/2006">
+        <mc:Choice xmlns:a14="http://schemas.microsoft.com/office/drawing/2010/main" Requires="a14">
           <p:sp>
             <p:nvSpPr>
               <p:cNvPr id="3" name="TextBox 2">
@@ -7694,6 +7694,34 @@
                 </a:r>
                 <a14:m>
                   <m:oMath xmlns:m="http://schemas.openxmlformats.org/officeDocument/2006/math">
+                    <m:sSup>
+                      <m:sSupPr>
+                        <m:ctrlPr>
+                          <a:rPr lang="en-US" b="0" i="0" smtClean="0">
+                            <a:latin typeface="Cambria Math" panose="02040503050406030204" pitchFamily="18" charset="0"/>
+                          </a:rPr>
+                        </m:ctrlPr>
+                      </m:sSupPr>
+                      <m:e>
+                        <m:r>
+                          <m:rPr>
+                            <m:sty m:val="p"/>
+                          </m:rPr>
+                          <a:rPr lang="en-US" b="0" i="0" smtClean="0">
+                            <a:latin typeface="Cambria Math" panose="02040503050406030204" pitchFamily="18" charset="0"/>
+                          </a:rPr>
+                          <m:t>cos</m:t>
+                        </m:r>
+                      </m:e>
+                      <m:sup>
+                        <m:r>
+                          <a:rPr lang="en-US" b="0" i="1" smtClean="0">
+                            <a:latin typeface="Cambria Math" panose="02040503050406030204" pitchFamily="18" charset="0"/>
+                          </a:rPr>
+                          <m:t>−1</m:t>
+                        </m:r>
+                      </m:sup>
+                    </m:sSup>
                     <m:f>
                       <m:fPr>
                         <m:ctrlPr>
@@ -8490,7 +8518,7 @@
             </p:txBody>
           </p:sp>
         </mc:Choice>
-        <mc:Fallback xmlns="">
+        <mc:Fallback>
           <p:sp>
             <p:nvSpPr>
               <p:cNvPr id="3" name="TextBox 2">
@@ -8595,117 +8623,6 @@
         </p:nvSpPr>
         <p:spPr>
           <a:xfrm>
-            <a:off x="3266010" y="22860"/>
-            <a:ext cx="2342310" cy="1400530"/>
-          </a:xfrm>
-        </p:spPr>
-        <p:txBody>
-          <a:bodyPr/>
-          <a:lstStyle/>
-          <a:p>
-            <a:r>
-              <a:rPr lang="en-US" dirty="0"/>
-              <a:t>Bigrams</a:t>
-            </a:r>
-          </a:p>
-        </p:txBody>
-      </p:sp>
-      <p:pic>
-        <p:nvPicPr>
-          <p:cNvPr id="9" name="Picture 8">
-            <a:extLst>
-              <a:ext uri="{FF2B5EF4-FFF2-40B4-BE49-F238E27FC236}">
-                <a16:creationId xmlns:a16="http://schemas.microsoft.com/office/drawing/2014/main" id="{8BDC3E9F-4649-4F6F-B54D-E3150822C594}"/>
-              </a:ext>
-            </a:extLst>
-          </p:cNvPr>
-          <p:cNvPicPr>
-            <a:picLocks noChangeAspect="1"/>
-          </p:cNvPicPr>
-          <p:nvPr/>
-        </p:nvPicPr>
-        <p:blipFill>
-          <a:blip r:embed="rId2">
-            <a:extLst>
-              <a:ext uri="{28A0092B-C50C-407E-A947-70E740481C1C}">
-                <a14:useLocalDpi xmlns:a14="http://schemas.microsoft.com/office/drawing/2010/main" val="0"/>
-              </a:ext>
-            </a:extLst>
-          </a:blip>
-          <a:stretch>
-            <a:fillRect/>
-          </a:stretch>
-        </p:blipFill>
-        <p:spPr>
-          <a:xfrm>
-            <a:off x="1440180" y="861060"/>
-            <a:ext cx="5775960" cy="5775960"/>
-          </a:xfrm>
-          <a:prstGeom prst="rect">
-            <a:avLst/>
-          </a:prstGeom>
-        </p:spPr>
-      </p:pic>
-    </p:spTree>
-    <p:extLst>
-      <p:ext uri="{BB962C8B-B14F-4D97-AF65-F5344CB8AC3E}">
-        <p14:creationId xmlns:p14="http://schemas.microsoft.com/office/powerpoint/2010/main" val="1730422006"/>
-      </p:ext>
-    </p:extLst>
-  </p:cSld>
-  <p:clrMapOvr>
-    <a:overrideClrMapping bg1="lt1" tx1="dk1" bg2="lt2" tx2="dk2" accent1="accent1" accent2="accent2" accent3="accent3" accent4="accent4" accent5="accent5" accent6="accent6" hlink="hlink" folHlink="folHlink"/>
-  </p:clrMapOvr>
-  <mc:AlternateContent xmlns:mc="http://schemas.openxmlformats.org/markup-compatibility/2006" xmlns:p14="http://schemas.microsoft.com/office/powerpoint/2010/main">
-    <mc:Choice Requires="p14">
-      <p:transition spd="slow">
-        <p14:reveal/>
-      </p:transition>
-    </mc:Choice>
-    <mc:Fallback xmlns="">
-      <p:transition spd="slow">
-        <p:fade/>
-      </p:transition>
-    </mc:Fallback>
-  </mc:AlternateContent>
-</p:sld>
-</file>
-
-<file path=ppt/slides/slide7.xml><?xml version="1.0" encoding="utf-8"?>
-<p:sld xmlns:a="http://schemas.openxmlformats.org/drawingml/2006/main" xmlns:r="http://schemas.openxmlformats.org/officeDocument/2006/relationships" xmlns:p="http://schemas.openxmlformats.org/presentationml/2006/main" showMasterSp="0">
-  <p:cSld>
-    <p:spTree>
-      <p:nvGrpSpPr>
-        <p:cNvPr id="1" name=""/>
-        <p:cNvGrpSpPr/>
-        <p:nvPr/>
-      </p:nvGrpSpPr>
-      <p:grpSpPr>
-        <a:xfrm>
-          <a:off x="0" y="0"/>
-          <a:ext cx="0" cy="0"/>
-          <a:chOff x="0" y="0"/>
-          <a:chExt cx="0" cy="0"/>
-        </a:xfrm>
-      </p:grpSpPr>
-      <p:sp>
-        <p:nvSpPr>
-          <p:cNvPr id="2" name="Title 1">
-            <a:extLst>
-              <a:ext uri="{FF2B5EF4-FFF2-40B4-BE49-F238E27FC236}">
-                <a16:creationId xmlns:a16="http://schemas.microsoft.com/office/drawing/2014/main" id="{4DA1DFFF-8261-483C-BADF-759F3F223D20}"/>
-              </a:ext>
-            </a:extLst>
-          </p:cNvPr>
-          <p:cNvSpPr>
-            <a:spLocks noGrp="1"/>
-          </p:cNvSpPr>
-          <p:nvPr>
-            <p:ph type="title"/>
-          </p:nvPr>
-        </p:nvSpPr>
-        <p:spPr>
-          <a:xfrm>
             <a:off x="1158240" y="83820"/>
             <a:ext cx="6431280" cy="914400"/>
           </a:xfrm>
@@ -8782,7 +8699,7 @@
 </p:sld>
 </file>
 
-<file path=ppt/slides/slide8.xml><?xml version="1.0" encoding="utf-8"?>
+<file path=ppt/slides/slide7.xml><?xml version="1.0" encoding="utf-8"?>
 <p:sld xmlns:a="http://schemas.openxmlformats.org/drawingml/2006/main" xmlns:r="http://schemas.openxmlformats.org/officeDocument/2006/relationships" xmlns:p="http://schemas.openxmlformats.org/presentationml/2006/main" showMasterSp="0">
   <p:cSld>
     <p:spTree>
@@ -8885,6 +8802,117 @@
     <p:extLst>
       <p:ext uri="{BB962C8B-B14F-4D97-AF65-F5344CB8AC3E}">
         <p14:creationId xmlns:p14="http://schemas.microsoft.com/office/powerpoint/2010/main" val="2006358850"/>
+      </p:ext>
+    </p:extLst>
+  </p:cSld>
+  <p:clrMapOvr>
+    <a:overrideClrMapping bg1="lt1" tx1="dk1" bg2="lt2" tx2="dk2" accent1="accent1" accent2="accent2" accent3="accent3" accent4="accent4" accent5="accent5" accent6="accent6" hlink="hlink" folHlink="folHlink"/>
+  </p:clrMapOvr>
+  <mc:AlternateContent xmlns:mc="http://schemas.openxmlformats.org/markup-compatibility/2006" xmlns:p14="http://schemas.microsoft.com/office/powerpoint/2010/main">
+    <mc:Choice Requires="p14">
+      <p:transition spd="slow">
+        <p14:reveal/>
+      </p:transition>
+    </mc:Choice>
+    <mc:Fallback xmlns="">
+      <p:transition spd="slow">
+        <p:fade/>
+      </p:transition>
+    </mc:Fallback>
+  </mc:AlternateContent>
+</p:sld>
+</file>
+
+<file path=ppt/slides/slide8.xml><?xml version="1.0" encoding="utf-8"?>
+<p:sld xmlns:a="http://schemas.openxmlformats.org/drawingml/2006/main" xmlns:r="http://schemas.openxmlformats.org/officeDocument/2006/relationships" xmlns:p="http://schemas.openxmlformats.org/presentationml/2006/main" showMasterSp="0">
+  <p:cSld>
+    <p:spTree>
+      <p:nvGrpSpPr>
+        <p:cNvPr id="1" name=""/>
+        <p:cNvGrpSpPr/>
+        <p:nvPr/>
+      </p:nvGrpSpPr>
+      <p:grpSpPr>
+        <a:xfrm>
+          <a:off x="0" y="0"/>
+          <a:ext cx="0" cy="0"/>
+          <a:chOff x="0" y="0"/>
+          <a:chExt cx="0" cy="0"/>
+        </a:xfrm>
+      </p:grpSpPr>
+      <p:sp>
+        <p:nvSpPr>
+          <p:cNvPr id="2" name="Title 1">
+            <a:extLst>
+              <a:ext uri="{FF2B5EF4-FFF2-40B4-BE49-F238E27FC236}">
+                <a16:creationId xmlns:a16="http://schemas.microsoft.com/office/drawing/2014/main" id="{4DA1DFFF-8261-483C-BADF-759F3F223D20}"/>
+              </a:ext>
+            </a:extLst>
+          </p:cNvPr>
+          <p:cNvSpPr>
+            <a:spLocks noGrp="1"/>
+          </p:cNvSpPr>
+          <p:nvPr>
+            <p:ph type="title"/>
+          </p:nvPr>
+        </p:nvSpPr>
+        <p:spPr>
+          <a:xfrm>
+            <a:off x="3266010" y="22860"/>
+            <a:ext cx="2342310" cy="1400530"/>
+          </a:xfrm>
+        </p:spPr>
+        <p:txBody>
+          <a:bodyPr/>
+          <a:lstStyle/>
+          <a:p>
+            <a:r>
+              <a:rPr lang="en-US" dirty="0"/>
+              <a:t>Bigrams</a:t>
+            </a:r>
+          </a:p>
+        </p:txBody>
+      </p:sp>
+      <p:pic>
+        <p:nvPicPr>
+          <p:cNvPr id="9" name="Picture 8">
+            <a:extLst>
+              <a:ext uri="{FF2B5EF4-FFF2-40B4-BE49-F238E27FC236}">
+                <a16:creationId xmlns:a16="http://schemas.microsoft.com/office/drawing/2014/main" id="{8BDC3E9F-4649-4F6F-B54D-E3150822C594}"/>
+              </a:ext>
+            </a:extLst>
+          </p:cNvPr>
+          <p:cNvPicPr>
+            <a:picLocks noChangeAspect="1"/>
+          </p:cNvPicPr>
+          <p:nvPr/>
+        </p:nvPicPr>
+        <p:blipFill>
+          <a:blip r:embed="rId2">
+            <a:extLst>
+              <a:ext uri="{28A0092B-C50C-407E-A947-70E740481C1C}">
+                <a14:useLocalDpi xmlns:a14="http://schemas.microsoft.com/office/drawing/2010/main" val="0"/>
+              </a:ext>
+            </a:extLst>
+          </a:blip>
+          <a:stretch>
+            <a:fillRect/>
+          </a:stretch>
+        </p:blipFill>
+        <p:spPr>
+          <a:xfrm>
+            <a:off x="1440180" y="861060"/>
+            <a:ext cx="5775960" cy="5775960"/>
+          </a:xfrm>
+          <a:prstGeom prst="rect">
+            <a:avLst/>
+          </a:prstGeom>
+        </p:spPr>
+      </p:pic>
+    </p:spTree>
+    <p:extLst>
+      <p:ext uri="{BB962C8B-B14F-4D97-AF65-F5344CB8AC3E}">
+        <p14:creationId xmlns:p14="http://schemas.microsoft.com/office/powerpoint/2010/main" val="1730422006"/>
       </p:ext>
     </p:extLst>
   </p:cSld>

--- a/presentation/powerpoint.pptx
+++ b/presentation/powerpoint.pptx
@@ -15,6 +15,7 @@
     <p:sldId id="262" r:id="rId9"/>
     <p:sldId id="264" r:id="rId10"/>
     <p:sldId id="265" r:id="rId11"/>
+    <p:sldId id="268" r:id="rId12"/>
   </p:sldIdLst>
   <p:sldSz cx="9144000" cy="6858000" type="screen4x3"/>
   <p:notesSz cx="6858000" cy="9144000"/>
@@ -307,7 +308,7 @@
           <a:p>
             <a:fld id="{B15561E0-D19D-41C6-964F-92871C1F6E59}" type="datetimeFigureOut">
               <a:rPr lang="en-US" smtClean="0"/>
-              <a:t>6/24/2019</a:t>
+              <a:t>6/27/2019</a:t>
             </a:fld>
             <a:endParaRPr lang="en-US"/>
           </a:p>
@@ -594,7 +595,7 @@
           <a:p>
             <a:fld id="{B15561E0-D19D-41C6-964F-92871C1F6E59}" type="datetimeFigureOut">
               <a:rPr lang="en-US" smtClean="0"/>
-              <a:t>6/24/2019</a:t>
+              <a:t>6/27/2019</a:t>
             </a:fld>
             <a:endParaRPr lang="en-US"/>
           </a:p>
@@ -800,7 +801,7 @@
           <a:p>
             <a:fld id="{B15561E0-D19D-41C6-964F-92871C1F6E59}" type="datetimeFigureOut">
               <a:rPr lang="en-US" smtClean="0"/>
-              <a:t>6/24/2019</a:t>
+              <a:t>6/27/2019</a:t>
             </a:fld>
             <a:endParaRPr lang="en-US"/>
           </a:p>
@@ -1085,7 +1086,7 @@
           <a:p>
             <a:fld id="{B15561E0-D19D-41C6-964F-92871C1F6E59}" type="datetimeFigureOut">
               <a:rPr lang="en-US" smtClean="0"/>
-              <a:t>6/24/2019</a:t>
+              <a:t>6/27/2019</a:t>
             </a:fld>
             <a:endParaRPr lang="en-US"/>
           </a:p>
@@ -1438,7 +1439,7 @@
           <a:p>
             <a:fld id="{B15561E0-D19D-41C6-964F-92871C1F6E59}" type="datetimeFigureOut">
               <a:rPr lang="en-US" smtClean="0"/>
-              <a:t>6/24/2019</a:t>
+              <a:t>6/27/2019</a:t>
             </a:fld>
             <a:endParaRPr lang="en-US"/>
           </a:p>
@@ -2073,7 +2074,7 @@
           <a:p>
             <a:fld id="{B15561E0-D19D-41C6-964F-92871C1F6E59}" type="datetimeFigureOut">
               <a:rPr lang="en-US" smtClean="0"/>
-              <a:t>6/24/2019</a:t>
+              <a:t>6/27/2019</a:t>
             </a:fld>
             <a:endParaRPr lang="en-US"/>
           </a:p>
@@ -2945,7 +2946,7 @@
           <a:p>
             <a:fld id="{B15561E0-D19D-41C6-964F-92871C1F6E59}" type="datetimeFigureOut">
               <a:rPr lang="en-US" smtClean="0"/>
-              <a:t>6/24/2019</a:t>
+              <a:t>6/27/2019</a:t>
             </a:fld>
             <a:endParaRPr lang="en-US"/>
           </a:p>
@@ -3127,7 +3128,7 @@
           <a:p>
             <a:fld id="{B15561E0-D19D-41C6-964F-92871C1F6E59}" type="datetimeFigureOut">
               <a:rPr lang="en-US" smtClean="0"/>
-              <a:t>6/24/2019</a:t>
+              <a:t>6/27/2019</a:t>
             </a:fld>
             <a:endParaRPr lang="en-US"/>
           </a:p>
@@ -3319,7 +3320,7 @@
           <a:p>
             <a:fld id="{B15561E0-D19D-41C6-964F-92871C1F6E59}" type="datetimeFigureOut">
               <a:rPr lang="en-US" smtClean="0"/>
-              <a:t>6/24/2019</a:t>
+              <a:t>6/27/2019</a:t>
             </a:fld>
             <a:endParaRPr lang="en-US"/>
           </a:p>
@@ -3501,7 +3502,7 @@
           <a:p>
             <a:fld id="{B15561E0-D19D-41C6-964F-92871C1F6E59}" type="datetimeFigureOut">
               <a:rPr lang="en-US" smtClean="0"/>
-              <a:t>6/24/2019</a:t>
+              <a:t>6/27/2019</a:t>
             </a:fld>
             <a:endParaRPr lang="en-US"/>
           </a:p>
@@ -3760,7 +3761,7 @@
           <a:p>
             <a:fld id="{B15561E0-D19D-41C6-964F-92871C1F6E59}" type="datetimeFigureOut">
               <a:rPr lang="en-US" smtClean="0"/>
-              <a:t>6/24/2019</a:t>
+              <a:t>6/27/2019</a:t>
             </a:fld>
             <a:endParaRPr lang="en-US"/>
           </a:p>
@@ -4064,7 +4065,7 @@
           <a:p>
             <a:fld id="{B15561E0-D19D-41C6-964F-92871C1F6E59}" type="datetimeFigureOut">
               <a:rPr lang="en-US" smtClean="0"/>
-              <a:t>6/24/2019</a:t>
+              <a:t>6/27/2019</a:t>
             </a:fld>
             <a:endParaRPr lang="en-US"/>
           </a:p>
@@ -4520,7 +4521,7 @@
           <a:p>
             <a:fld id="{B15561E0-D19D-41C6-964F-92871C1F6E59}" type="datetimeFigureOut">
               <a:rPr lang="en-US" smtClean="0"/>
-              <a:t>6/24/2019</a:t>
+              <a:t>6/27/2019</a:t>
             </a:fld>
             <a:endParaRPr lang="en-US"/>
           </a:p>
@@ -4650,7 +4651,7 @@
           <a:p>
             <a:fld id="{B15561E0-D19D-41C6-964F-92871C1F6E59}" type="datetimeFigureOut">
               <a:rPr lang="en-US" smtClean="0"/>
-              <a:t>6/24/2019</a:t>
+              <a:t>6/27/2019</a:t>
             </a:fld>
             <a:endParaRPr lang="en-US"/>
           </a:p>
@@ -4757,7 +4758,7 @@
           <a:p>
             <a:fld id="{B15561E0-D19D-41C6-964F-92871C1F6E59}" type="datetimeFigureOut">
               <a:rPr lang="en-US" smtClean="0"/>
-              <a:t>6/24/2019</a:t>
+              <a:t>6/27/2019</a:t>
             </a:fld>
             <a:endParaRPr lang="en-US"/>
           </a:p>
@@ -5048,7 +5049,7 @@
           <a:p>
             <a:fld id="{B15561E0-D19D-41C6-964F-92871C1F6E59}" type="datetimeFigureOut">
               <a:rPr lang="en-US" smtClean="0"/>
-              <a:t>6/24/2019</a:t>
+              <a:t>6/27/2019</a:t>
             </a:fld>
             <a:endParaRPr lang="en-US"/>
           </a:p>
@@ -5335,7 +5336,7 @@
           <a:p>
             <a:fld id="{B15561E0-D19D-41C6-964F-92871C1F6E59}" type="datetimeFigureOut">
               <a:rPr lang="en-US" smtClean="0"/>
-              <a:t>6/24/2019</a:t>
+              <a:t>6/27/2019</a:t>
             </a:fld>
             <a:endParaRPr lang="en-US"/>
           </a:p>
@@ -5912,7 +5913,7 @@
           <a:p>
             <a:fld id="{B15561E0-D19D-41C6-964F-92871C1F6E59}" type="datetimeFigureOut">
               <a:rPr lang="en-US" smtClean="0"/>
-              <a:t>6/24/2019</a:t>
+              <a:t>6/27/2019</a:t>
             </a:fld>
             <a:endParaRPr lang="en-US"/>
           </a:p>
@@ -6631,10 +6632,10 @@
       </p:sp>
       <p:pic>
         <p:nvPicPr>
-          <p:cNvPr id="3" name="Graphic 2">
+          <p:cNvPr id="5" name="Graphic 4">
             <a:extLst>
               <a:ext uri="{FF2B5EF4-FFF2-40B4-BE49-F238E27FC236}">
-                <a16:creationId xmlns:a16="http://schemas.microsoft.com/office/drawing/2014/main" id="{748BA9EA-B10F-4F5F-BB40-0AF4E72D2F93}"/>
+                <a16:creationId xmlns:a16="http://schemas.microsoft.com/office/drawing/2014/main" id="{A86F0D36-B6A8-4FF6-9B3E-55E191A460B7}"/>
               </a:ext>
             </a:extLst>
           </p:cNvPr>
@@ -6657,8 +6658,8 @@
         </p:blipFill>
         <p:spPr>
           <a:xfrm>
-            <a:off x="1043940" y="1135379"/>
-            <a:ext cx="6957060" cy="5411047"/>
+            <a:off x="1189806" y="1140823"/>
+            <a:ext cx="6656771" cy="5177488"/>
           </a:xfrm>
           <a:prstGeom prst="rect">
             <a:avLst/>
@@ -6669,6 +6670,83 @@
     <p:extLst>
       <p:ext uri="{BB962C8B-B14F-4D97-AF65-F5344CB8AC3E}">
         <p14:creationId xmlns:p14="http://schemas.microsoft.com/office/powerpoint/2010/main" val="252699869"/>
+      </p:ext>
+    </p:extLst>
+  </p:cSld>
+  <p:clrMapOvr>
+    <a:overrideClrMapping bg1="lt1" tx1="dk1" bg2="lt2" tx2="dk2" accent1="accent1" accent2="accent2" accent3="accent3" accent4="accent4" accent5="accent5" accent6="accent6" hlink="hlink" folHlink="folHlink"/>
+  </p:clrMapOvr>
+  <mc:AlternateContent xmlns:mc="http://schemas.openxmlformats.org/markup-compatibility/2006" xmlns:p14="http://schemas.microsoft.com/office/powerpoint/2010/main">
+    <mc:Choice Requires="p14">
+      <p:transition spd="slow">
+        <p14:reveal/>
+      </p:transition>
+    </mc:Choice>
+    <mc:Fallback xmlns="">
+      <p:transition spd="slow">
+        <p:fade/>
+      </p:transition>
+    </mc:Fallback>
+  </mc:AlternateContent>
+</p:sld>
+</file>
+
+<file path=ppt/slides/slide11.xml><?xml version="1.0" encoding="utf-8"?>
+<p:sld xmlns:a="http://schemas.openxmlformats.org/drawingml/2006/main" xmlns:r="http://schemas.openxmlformats.org/officeDocument/2006/relationships" xmlns:p="http://schemas.openxmlformats.org/presentationml/2006/main" showMasterSp="0">
+  <p:cSld>
+    <p:spTree>
+      <p:nvGrpSpPr>
+        <p:cNvPr id="1" name=""/>
+        <p:cNvGrpSpPr/>
+        <p:nvPr/>
+      </p:nvGrpSpPr>
+      <p:grpSpPr>
+        <a:xfrm>
+          <a:off x="0" y="0"/>
+          <a:ext cx="0" cy="0"/>
+          <a:chOff x="0" y="0"/>
+          <a:chExt cx="0" cy="0"/>
+        </a:xfrm>
+      </p:grpSpPr>
+      <p:sp>
+        <p:nvSpPr>
+          <p:cNvPr id="2" name="Title 1">
+            <a:extLst>
+              <a:ext uri="{FF2B5EF4-FFF2-40B4-BE49-F238E27FC236}">
+                <a16:creationId xmlns:a16="http://schemas.microsoft.com/office/drawing/2014/main" id="{4DA1DFFF-8261-483C-BADF-759F3F223D20}"/>
+              </a:ext>
+            </a:extLst>
+          </p:cNvPr>
+          <p:cNvSpPr>
+            <a:spLocks noGrp="1"/>
+          </p:cNvSpPr>
+          <p:nvPr>
+            <p:ph type="title"/>
+          </p:nvPr>
+        </p:nvSpPr>
+        <p:spPr>
+          <a:xfrm>
+            <a:off x="1396637" y="2890157"/>
+            <a:ext cx="6431280" cy="1316082"/>
+          </a:xfrm>
+        </p:spPr>
+        <p:txBody>
+          <a:bodyPr/>
+          <a:lstStyle/>
+          <a:p>
+            <a:pPr algn="ctr"/>
+            <a:r>
+              <a:rPr lang="el-GR" sz="7200" dirty="0"/>
+              <a:t>ΕΥΧΑΡΙΣΤ</a:t>
+            </a:r>
+            <a:endParaRPr lang="en-US" sz="7200" dirty="0"/>
+          </a:p>
+        </p:txBody>
+      </p:sp>
+    </p:spTree>
+    <p:extLst>
+      <p:ext uri="{BB962C8B-B14F-4D97-AF65-F5344CB8AC3E}">
+        <p14:creationId xmlns:p14="http://schemas.microsoft.com/office/powerpoint/2010/main" val="1667757807"/>
       </p:ext>
     </p:extLst>
   </p:cSld>
@@ -7206,8 +7284,8 @@
           </a:p>
         </p:txBody>
       </p:sp>
-      <mc:AlternateContent xmlns:mc="http://schemas.openxmlformats.org/markup-compatibility/2006">
-        <mc:Choice xmlns:a14="http://schemas.microsoft.com/office/drawing/2010/main" Requires="a14">
+      <mc:AlternateContent xmlns:mc="http://schemas.openxmlformats.org/markup-compatibility/2006" xmlns:a14="http://schemas.microsoft.com/office/drawing/2010/main">
+        <mc:Choice Requires="a14">
           <p:sp>
             <p:nvSpPr>
               <p:cNvPr id="3" name="TextBox 2">
@@ -7697,7 +7775,7 @@
                     <m:sSup>
                       <m:sSupPr>
                         <m:ctrlPr>
-                          <a:rPr lang="en-US" b="0" i="0" smtClean="0">
+                          <a:rPr lang="en-US" b="0" i="1" smtClean="0">
                             <a:latin typeface="Cambria Math" panose="02040503050406030204" pitchFamily="18" charset="0"/>
                           </a:rPr>
                         </m:ctrlPr>
@@ -8518,7 +8596,7 @@
             </p:txBody>
           </p:sp>
         </mc:Choice>
-        <mc:Fallback>
+        <mc:Fallback xmlns="">
           <p:sp>
             <p:nvSpPr>
               <p:cNvPr id="3" name="TextBox 2">
@@ -8987,10 +9065,10 @@
       </p:sp>
       <p:pic>
         <p:nvPicPr>
-          <p:cNvPr id="5" name="Graphic 4">
+          <p:cNvPr id="3" name="Graphic 2">
             <a:extLst>
               <a:ext uri="{FF2B5EF4-FFF2-40B4-BE49-F238E27FC236}">
-                <a16:creationId xmlns:a16="http://schemas.microsoft.com/office/drawing/2014/main" id="{A9252764-3C73-4EE1-BD4E-F22AB983E798}"/>
+                <a16:creationId xmlns:a16="http://schemas.microsoft.com/office/drawing/2014/main" id="{CE1B429A-D634-4D17-9B05-17C702BAA5D7}"/>
               </a:ext>
             </a:extLst>
           </p:cNvPr>
@@ -9013,8 +9091,8 @@
         </p:blipFill>
         <p:spPr>
           <a:xfrm>
-            <a:off x="990600" y="1165859"/>
-            <a:ext cx="6751320" cy="5251027"/>
+            <a:off x="1207226" y="1133203"/>
+            <a:ext cx="6656614" cy="5177367"/>
           </a:xfrm>
           <a:prstGeom prst="rect">
             <a:avLst/>
